--- a/Textbooks/Ronald McNair.pptx
+++ b/Textbooks/Ronald McNair.pptx
@@ -518,7 +518,7 @@
             </a:r>
             <a:br/>
             <a:r>
-              <a:t>Knight, 3rd edition, chapter 6, section 6</a:t>
+              <a:t>Knight, Physics for Scientists and Engineers: A Strategic Approach with Modern Physics, 3rd Edition, chapter 6, section 6</a:t>
             </a:r>
             <a:br/>
             <a:r>

--- a/Textbooks/Ronald McNair.pptx
+++ b/Textbooks/Ronald McNair.pptx
@@ -550,7 +550,7 @@
             </a:r>
             <a:br/>
             <a:r>
-              <a:t>Jazz saxophonist.  </a:t>
+              <a:t>Jazz saxophonist.</a:t>
             </a:r>
             <a:br/>
             <a:r>
@@ -558,7 +558,7 @@
             </a:r>
             <a:br/>
             <a:r>
-              <a:t># Sources  </a:t>
+              <a:t># Sources </a:t>
             </a:r>
             <a:br/>
             <a:r>
